--- a/Facebook_Project_Pro_Pre_0316 .pptx
+++ b/Facebook_Project_Pro_Pre_0316 .pptx
@@ -1217,9 +1217,20 @@
         <a:lstStyle/>
         <a:p>
           <a:r>
-            <a:rPr lang="en-US" dirty="0"/>
-            <a:t>Data for Business Analysis</a:t>
+            <a:rPr lang="en-US" dirty="0" smtClean="0"/>
+            <a:t>Data for Analysis</a:t>
           </a:r>
+        </a:p>
+        <a:p>
+          <a:r>
+            <a:rPr lang="en-US" dirty="0" smtClean="0"/>
+            <a:t>U</a:t>
+          </a:r>
+          <a:r>
+            <a:rPr lang="en-US" altLang="zh-CN" dirty="0" smtClean="0"/>
+            <a:t>ser recommendation for specific user id and search associative users given a key word</a:t>
+          </a:r>
+          <a:endParaRPr lang="en-US" dirty="0"/>
         </a:p>
       </dgm:t>
     </dgm:pt>
@@ -1235,42 +1246,6 @@
       </dgm:t>
     </dgm:pt>
     <dgm:pt modelId="{12112633-B5DF-5547-ABA2-0EA7C05930A1}" type="sibTrans" cxnId="{895C9E38-02B7-9745-AA08-D81FE20CA676}">
-      <dgm:prSet/>
-      <dgm:spPr/>
-      <dgm:t>
-        <a:bodyPr/>
-        <a:lstStyle/>
-        <a:p>
-          <a:endParaRPr lang="en-US"/>
-        </a:p>
-      </dgm:t>
-    </dgm:pt>
-    <dgm:pt modelId="{634C8DEA-8E19-AE44-9BAA-20D856016C6D}">
-      <dgm:prSet/>
-      <dgm:spPr/>
-      <dgm:t>
-        <a:bodyPr/>
-        <a:lstStyle/>
-        <a:p>
-          <a:r>
-            <a:rPr lang="en-US" dirty="0"/>
-            <a:t>Provide the report to manufacturer</a:t>
-          </a:r>
-        </a:p>
-      </dgm:t>
-    </dgm:pt>
-    <dgm:pt modelId="{4DFDF63F-9B0B-C54A-A0EF-9357D8F50C3C}" type="parTrans" cxnId="{A2DA7908-7642-5B4D-923A-9D50F963EBBC}">
-      <dgm:prSet/>
-      <dgm:spPr/>
-      <dgm:t>
-        <a:bodyPr/>
-        <a:lstStyle/>
-        <a:p>
-          <a:endParaRPr lang="en-US"/>
-        </a:p>
-      </dgm:t>
-    </dgm:pt>
-    <dgm:pt modelId="{F7D661B7-5983-B94B-9793-AE3DA9FDE4C1}" type="sibTrans" cxnId="{A2DA7908-7642-5B4D-923A-9D50F963EBBC}">
       <dgm:prSet/>
       <dgm:spPr/>
       <dgm:t>
@@ -1489,7 +1464,6 @@
   <dgm:cxnLst>
     <dgm:cxn modelId="{D780D6EF-9099-014C-8B41-ACCC467D3B35}" type="presOf" srcId="{2D832F63-E229-6042-8C12-C30D9C1F5607}" destId="{0C1DA707-5C11-4C40-8A92-311162A1E25D}" srcOrd="0" destOrd="1" presId="urn:microsoft.com/office/officeart/2005/8/layout/hProcess11"/>
     <dgm:cxn modelId="{713A012F-E646-714D-A353-349560E4D056}" srcId="{B2A71AB0-1E34-2A42-9932-DB68B70B204D}" destId="{581BCC12-C94C-EA42-87AB-0F290DDBF30D}" srcOrd="0" destOrd="0" parTransId="{024FEC25-1551-1845-A201-0108EF239A2B}" sibTransId="{0E4EBAB9-0FD0-0540-8DCB-8989126B3867}"/>
-    <dgm:cxn modelId="{F1BDA205-973F-6445-A91E-F965C526D9E2}" type="presOf" srcId="{634C8DEA-8E19-AE44-9BAA-20D856016C6D}" destId="{140F63FD-26E7-FC4B-B6D7-2B80AA921DA6}" srcOrd="0" destOrd="1" presId="urn:microsoft.com/office/officeart/2005/8/layout/hProcess11"/>
     <dgm:cxn modelId="{5E4D6969-670B-E640-BE66-D52266D38D65}" srcId="{B2A71AB0-1E34-2A42-9932-DB68B70B204D}" destId="{48F043E7-185E-974A-9023-035FBA1710D8}" srcOrd="1" destOrd="0" parTransId="{53BB7FF1-830F-6743-9591-2E61D7A2D042}" sibTransId="{A02E788F-64DB-A749-8BD8-484796B3123B}"/>
     <dgm:cxn modelId="{47838EBA-6113-024B-BA34-988CE0CF1AFB}" srcId="{6DD27F8A-6F19-3141-B917-689F85179DDD}" destId="{5FB8C9F9-A0F8-C84F-9E92-C96FA140ADBF}" srcOrd="1" destOrd="0" parTransId="{819384EB-C964-A641-BF3A-6608BA3ADCAE}" sibTransId="{7659E6F6-9AB6-8548-A9DD-E0BA6683C60E}"/>
     <dgm:cxn modelId="{BE7F5F07-E8CC-EF4D-8730-CB7CA58C9BD2}" srcId="{6DD27F8A-6F19-3141-B917-689F85179DDD}" destId="{A67FA1EF-C339-1C45-8143-7046B89E7AE2}" srcOrd="0" destOrd="0" parTransId="{209788EE-349E-9144-B505-2C199902302D}" sibTransId="{FEAE6C8E-556C-C94A-A490-31563E78FCFB}"/>
@@ -1509,7 +1483,6 @@
     <dgm:cxn modelId="{8C73D4E7-C274-5C42-A881-541140A111E8}" type="presOf" srcId="{45271DA2-276B-8140-A4D0-151A192872D2}" destId="{0C1DA707-5C11-4C40-8A92-311162A1E25D}" srcOrd="0" destOrd="0" presId="urn:microsoft.com/office/officeart/2005/8/layout/hProcess11"/>
     <dgm:cxn modelId="{37A2D54E-6D87-6140-8479-99D58094C745}" type="presOf" srcId="{6DD27F8A-6F19-3141-B917-689F85179DDD}" destId="{B9DA6D53-1245-BD45-BA7A-1BF028E3104D}" srcOrd="0" destOrd="0" presId="urn:microsoft.com/office/officeart/2005/8/layout/hProcess11"/>
     <dgm:cxn modelId="{E59BDDB0-D731-7644-A8EE-4DD26D05397E}" srcId="{45271DA2-276B-8140-A4D0-151A192872D2}" destId="{2D832F63-E229-6042-8C12-C30D9C1F5607}" srcOrd="0" destOrd="0" parTransId="{DDE2353D-053E-984B-B7BF-B7352B132BFB}" sibTransId="{8EF6EC75-939D-5840-8B6F-7C86470DDA84}"/>
-    <dgm:cxn modelId="{A2DA7908-7642-5B4D-923A-9D50F963EBBC}" srcId="{C702AC27-45A7-AF44-AAE8-52005F368817}" destId="{634C8DEA-8E19-AE44-9BAA-20D856016C6D}" srcOrd="0" destOrd="0" parTransId="{4DFDF63F-9B0B-C54A-A0EF-9357D8F50C3C}" sibTransId="{F7D661B7-5983-B94B-9793-AE3DA9FDE4C1}"/>
     <dgm:cxn modelId="{321332D8-7482-F245-8926-83A6539EDD40}" type="presOf" srcId="{48F043E7-185E-974A-9023-035FBA1710D8}" destId="{03AD9ECD-74F5-D04B-8A0B-87D925CCADD5}" srcOrd="0" destOrd="2" presId="urn:microsoft.com/office/officeart/2005/8/layout/hProcess11"/>
     <dgm:cxn modelId="{6157F4A2-4750-0648-BB04-99A1184C75B3}" type="presOf" srcId="{5FB8C9F9-A0F8-C84F-9E92-C96FA140ADBF}" destId="{B9DA6D53-1245-BD45-BA7A-1BF028E3104D}" srcOrd="0" destOrd="2" presId="urn:microsoft.com/office/officeart/2005/8/layout/hProcess11"/>
     <dgm:cxn modelId="{B7A6A373-E4CC-E64A-A606-6BC81E9816CF}" type="presParOf" srcId="{1E5663A8-40B8-CB42-8966-8E86E2836218}" destId="{68A639AB-12CB-7948-A365-A93170BDED49}" srcOrd="0" destOrd="0" presId="urn:microsoft.com/office/officeart/2005/8/layout/hProcess11"/>
@@ -1667,12 +1640,12 @@
         <a:fontRef idx="minor"/>
       </dsp:style>
       <dsp:txBody>
-        <a:bodyPr spcFirstLastPara="0" vert="horz" wrap="square" lIns="99568" tIns="99568" rIns="99568" bIns="99568" numCol="1" spcCol="1270" anchor="b" anchorCtr="0">
+        <a:bodyPr spcFirstLastPara="0" vert="horz" wrap="square" lIns="92456" tIns="92456" rIns="92456" bIns="92456" numCol="1" spcCol="1270" anchor="b" anchorCtr="0">
           <a:noAutofit/>
         </a:bodyPr>
         <a:lstStyle/>
         <a:p>
-          <a:pPr lvl="0" algn="ctr" defTabSz="622300">
+          <a:pPr lvl="0" algn="ctr" defTabSz="577850">
             <a:lnSpc>
               <a:spcPct val="90000"/>
             </a:lnSpc>
@@ -1684,7 +1657,7 @@
             </a:spcAft>
           </a:pPr>
           <a:r>
-            <a:rPr lang="en-US" sz="1400" kern="1200" dirty="0"/>
+            <a:rPr lang="en-US" sz="1300" kern="1200" dirty="0"/>
             <a:t>Start from a specific user</a:t>
           </a:r>
         </a:p>
@@ -1775,12 +1748,12 @@
         <a:fontRef idx="minor"/>
       </dsp:style>
       <dsp:txBody>
-        <a:bodyPr spcFirstLastPara="0" vert="horz" wrap="square" lIns="99568" tIns="99568" rIns="99568" bIns="99568" numCol="1" spcCol="1270" anchor="t" anchorCtr="1">
+        <a:bodyPr spcFirstLastPara="0" vert="horz" wrap="square" lIns="92456" tIns="92456" rIns="92456" bIns="92456" numCol="1" spcCol="1270" anchor="t" anchorCtr="1">
           <a:noAutofit/>
         </a:bodyPr>
         <a:lstStyle/>
         <a:p>
-          <a:pPr lvl="0" algn="l" defTabSz="622300">
+          <a:pPr lvl="0" algn="l" defTabSz="577850">
             <a:lnSpc>
               <a:spcPct val="90000"/>
             </a:lnSpc>
@@ -1792,12 +1765,12 @@
             </a:spcAft>
           </a:pPr>
           <a:r>
-            <a:rPr lang="en-US" sz="1400" kern="1200" dirty="0"/>
+            <a:rPr lang="en-US" sz="1300" kern="1200" dirty="0"/>
             <a:t>Data Collection</a:t>
           </a:r>
         </a:p>
         <a:p>
-          <a:pPr marL="57150" lvl="1" indent="-57150" algn="l" defTabSz="488950">
+          <a:pPr marL="57150" lvl="1" indent="-57150" algn="l" defTabSz="444500">
             <a:lnSpc>
               <a:spcPct val="90000"/>
             </a:lnSpc>
@@ -1810,12 +1783,12 @@
             <a:buChar char="••"/>
           </a:pPr>
           <a:r>
-            <a:rPr lang="en-US" sz="1100" kern="1200" dirty="0"/>
+            <a:rPr lang="en-US" sz="1000" kern="1200" dirty="0"/>
             <a:t>Fetch Data from Posts</a:t>
           </a:r>
         </a:p>
         <a:p>
-          <a:pPr marL="57150" lvl="1" indent="-57150" algn="l" defTabSz="488950">
+          <a:pPr marL="57150" lvl="1" indent="-57150" algn="l" defTabSz="444500">
             <a:lnSpc>
               <a:spcPct val="90000"/>
             </a:lnSpc>
@@ -1828,7 +1801,7 @@
             <a:buChar char="••"/>
           </a:pPr>
           <a:r>
-            <a:rPr lang="en-US" sz="1100" kern="1200" dirty="0"/>
+            <a:rPr lang="en-US" sz="1000" kern="1200" dirty="0"/>
             <a:t>Fetch Data from Likes</a:t>
           </a:r>
         </a:p>
@@ -1919,12 +1892,12 @@
         <a:fontRef idx="minor"/>
       </dsp:style>
       <dsp:txBody>
-        <a:bodyPr spcFirstLastPara="0" vert="horz" wrap="square" lIns="99568" tIns="99568" rIns="99568" bIns="99568" numCol="1" spcCol="1270" anchor="b" anchorCtr="1">
+        <a:bodyPr spcFirstLastPara="0" vert="horz" wrap="square" lIns="92456" tIns="92456" rIns="92456" bIns="92456" numCol="1" spcCol="1270" anchor="b" anchorCtr="1">
           <a:noAutofit/>
         </a:bodyPr>
         <a:lstStyle/>
         <a:p>
-          <a:pPr lvl="0" algn="l" defTabSz="622300">
+          <a:pPr lvl="0" algn="l" defTabSz="577850">
             <a:lnSpc>
               <a:spcPct val="90000"/>
             </a:lnSpc>
@@ -1936,12 +1909,12 @@
             </a:spcAft>
           </a:pPr>
           <a:r>
-            <a:rPr lang="en-US" sz="1400" kern="1200" dirty="0"/>
+            <a:rPr lang="en-US" sz="1300" kern="1200" dirty="0"/>
             <a:t>Data Analysis</a:t>
           </a:r>
         </a:p>
         <a:p>
-          <a:pPr marL="57150" lvl="1" indent="-57150" algn="l" defTabSz="488950">
+          <a:pPr marL="57150" lvl="1" indent="-57150" algn="l" defTabSz="444500">
             <a:lnSpc>
               <a:spcPct val="90000"/>
             </a:lnSpc>
@@ -1954,12 +1927,12 @@
             <a:buChar char="••"/>
           </a:pPr>
           <a:r>
-            <a:rPr lang="en-US" sz="1100" kern="1200" dirty="0"/>
+            <a:rPr lang="en-US" sz="1000" kern="1200" dirty="0"/>
             <a:t>Determine topics based on posts (TF-IDF)</a:t>
           </a:r>
         </a:p>
         <a:p>
-          <a:pPr marL="57150" lvl="1" indent="-57150" algn="l" defTabSz="488950">
+          <a:pPr marL="57150" lvl="1" indent="-57150" algn="l" defTabSz="444500">
             <a:lnSpc>
               <a:spcPct val="90000"/>
             </a:lnSpc>
@@ -1972,7 +1945,7 @@
             <a:buChar char="••"/>
           </a:pPr>
           <a:r>
-            <a:rPr lang="en-US" sz="1100" kern="1200" dirty="0"/>
+            <a:rPr lang="en-US" sz="1000" kern="1200" dirty="0"/>
             <a:t>Create user relationship graph with depth of 3 based on Likes</a:t>
           </a:r>
         </a:p>
@@ -2063,12 +2036,12 @@
         <a:fontRef idx="minor"/>
       </dsp:style>
       <dsp:txBody>
-        <a:bodyPr spcFirstLastPara="0" vert="horz" wrap="square" lIns="99568" tIns="99568" rIns="99568" bIns="99568" numCol="1" spcCol="1270" anchor="t" anchorCtr="1">
+        <a:bodyPr spcFirstLastPara="0" vert="horz" wrap="square" lIns="92456" tIns="92456" rIns="92456" bIns="92456" numCol="1" spcCol="1270" anchor="t" anchorCtr="1">
           <a:noAutofit/>
         </a:bodyPr>
         <a:lstStyle/>
         <a:p>
-          <a:pPr lvl="0" algn="l" defTabSz="622300">
+          <a:pPr lvl="0" algn="l" defTabSz="577850">
             <a:lnSpc>
               <a:spcPct val="90000"/>
             </a:lnSpc>
@@ -2080,12 +2053,12 @@
             </a:spcAft>
           </a:pPr>
           <a:r>
-            <a:rPr lang="en-US" sz="1400" kern="1200" dirty="0"/>
+            <a:rPr lang="en-US" sz="1300" kern="1200" dirty="0"/>
             <a:t>Data Usage - multiuser accounts</a:t>
           </a:r>
         </a:p>
         <a:p>
-          <a:pPr marL="57150" lvl="1" indent="-57150" algn="l" defTabSz="488950">
+          <a:pPr marL="57150" lvl="1" indent="-57150" algn="l" defTabSz="444500">
             <a:lnSpc>
               <a:spcPct val="90000"/>
             </a:lnSpc>
@@ -2098,12 +2071,12 @@
             <a:buChar char="••"/>
           </a:pPr>
           <a:r>
-            <a:rPr lang="en-US" sz="1100" kern="1200" dirty="0"/>
+            <a:rPr lang="en-US" sz="1000" kern="1200" dirty="0"/>
             <a:t>Calculate topic similarity and overlap of Likes graph</a:t>
           </a:r>
         </a:p>
         <a:p>
-          <a:pPr marL="57150" lvl="1" indent="-57150" algn="l" defTabSz="488950">
+          <a:pPr marL="57150" lvl="1" indent="-57150" algn="l" defTabSz="444500">
             <a:lnSpc>
               <a:spcPct val="90000"/>
             </a:lnSpc>
@@ -2116,7 +2089,7 @@
             <a:buChar char="••"/>
           </a:pPr>
           <a:r>
-            <a:rPr lang="en-US" sz="1100" kern="1200" dirty="0"/>
+            <a:rPr lang="en-US" sz="1000" kern="1200" dirty="0"/>
             <a:t>Group similar users</a:t>
           </a:r>
         </a:p>
@@ -2207,12 +2180,12 @@
         <a:fontRef idx="minor"/>
       </dsp:style>
       <dsp:txBody>
-        <a:bodyPr spcFirstLastPara="0" vert="horz" wrap="square" lIns="99568" tIns="99568" rIns="99568" bIns="99568" numCol="1" spcCol="1270" anchor="b" anchorCtr="1">
+        <a:bodyPr spcFirstLastPara="0" vert="horz" wrap="square" lIns="92456" tIns="92456" rIns="92456" bIns="92456" numCol="1" spcCol="1270" anchor="b" anchorCtr="0">
           <a:noAutofit/>
         </a:bodyPr>
         <a:lstStyle/>
         <a:p>
-          <a:pPr lvl="0" algn="l" defTabSz="622300">
+          <a:pPr lvl="0" algn="ctr" defTabSz="577850">
             <a:lnSpc>
               <a:spcPct val="90000"/>
             </a:lnSpc>
@@ -2224,12 +2197,12 @@
             </a:spcAft>
           </a:pPr>
           <a:r>
-            <a:rPr lang="en-US" sz="1400" kern="1200" dirty="0"/>
-            <a:t>Data for Business Analysis</a:t>
+            <a:rPr lang="en-US" sz="1300" kern="1200" dirty="0" smtClean="0"/>
+            <a:t>Data for Analysis</a:t>
           </a:r>
         </a:p>
         <a:p>
-          <a:pPr marL="57150" lvl="1" indent="-57150" algn="l" defTabSz="488950">
+          <a:pPr lvl="0" algn="ctr" defTabSz="577850">
             <a:lnSpc>
               <a:spcPct val="90000"/>
             </a:lnSpc>
@@ -2237,14 +2210,18 @@
               <a:spcPct val="0"/>
             </a:spcBef>
             <a:spcAft>
-              <a:spcPct val="15000"/>
+              <a:spcPct val="35000"/>
             </a:spcAft>
-            <a:buChar char="••"/>
           </a:pPr>
           <a:r>
-            <a:rPr lang="en-US" sz="1100" kern="1200" dirty="0"/>
-            <a:t>Provide the report to manufacturer</a:t>
+            <a:rPr lang="en-US" sz="1300" kern="1200" dirty="0" smtClean="0"/>
+            <a:t>U</a:t>
           </a:r>
+          <a:r>
+            <a:rPr lang="en-US" altLang="zh-CN" sz="1300" kern="1200" dirty="0" smtClean="0"/>
+            <a:t>ser recommendation for specific user id and search associative users given a key word</a:t>
+          </a:r>
+          <a:endParaRPr lang="en-US" sz="1300" kern="1200" dirty="0"/>
         </a:p>
       </dsp:txBody>
       <dsp:txXfrm>
@@ -3650,14 +3627,14 @@
           </a:ln>
           <a:extLst>
             <a:ext uri="{909E8E84-426E-40dd-AFC4-6F175D3DCCD1}">
-              <a14:hiddenFill xmlns:a14="http://schemas.microsoft.com/office/drawing/2010/main" xmlns="">
+              <a14:hiddenFill xmlns="" xmlns:a14="http://schemas.microsoft.com/office/drawing/2010/main">
                 <a:solidFill>
                   <a:srgbClr val="FFFFFF"/>
                 </a:solidFill>
               </a14:hiddenFill>
             </a:ext>
             <a:ext uri="{91240B29-F687-4f45-9708-019B960494DF}">
-              <a14:hiddenLine xmlns:a14="http://schemas.microsoft.com/office/drawing/2010/main" xmlns="" w="9525">
+              <a14:hiddenLine xmlns="" xmlns:a14="http://schemas.microsoft.com/office/drawing/2010/main" w="9525">
                 <a:solidFill>
                   <a:srgbClr val="000000"/>
                 </a:solidFill>
@@ -3886,14 +3863,14 @@
           </a:ln>
           <a:extLst>
             <a:ext uri="{909E8E84-426E-40dd-AFC4-6F175D3DCCD1}">
-              <a14:hiddenFill xmlns:a14="http://schemas.microsoft.com/office/drawing/2010/main" xmlns="">
+              <a14:hiddenFill xmlns="" xmlns:a14="http://schemas.microsoft.com/office/drawing/2010/main">
                 <a:solidFill>
                   <a:srgbClr val="FFFFFF"/>
                 </a:solidFill>
               </a14:hiddenFill>
             </a:ext>
             <a:ext uri="{91240B29-F687-4f45-9708-019B960494DF}">
-              <a14:hiddenLine xmlns:a14="http://schemas.microsoft.com/office/drawing/2010/main" xmlns="" w="9525">
+              <a14:hiddenLine xmlns="" xmlns:a14="http://schemas.microsoft.com/office/drawing/2010/main" w="9525">
                 <a:solidFill>
                   <a:srgbClr val="000000"/>
                 </a:solidFill>
@@ -4050,7 +4027,7 @@
           <a:p>
             <a:fld id="{780B1F34-A253-E943-86BC-3D9F00975CD5}" type="datetimeFigureOut">
               <a:rPr lang="en-US" smtClean="0"/>
-              <a:t>3/29/2016</a:t>
+              <a:t>4/19/2016</a:t>
             </a:fld>
             <a:endParaRPr lang="en-US"/>
           </a:p>
@@ -4171,14 +4148,14 @@
           </a:ln>
           <a:extLst>
             <a:ext uri="{909E8E84-426E-40dd-AFC4-6F175D3DCCD1}">
-              <a14:hiddenFill xmlns:a14="http://schemas.microsoft.com/office/drawing/2010/main" xmlns="">
+              <a14:hiddenFill xmlns="" xmlns:a14="http://schemas.microsoft.com/office/drawing/2010/main">
                 <a:solidFill>
                   <a:srgbClr val="FFFFFF"/>
                 </a:solidFill>
               </a14:hiddenFill>
             </a:ext>
             <a:ext uri="{91240B29-F687-4f45-9708-019B960494DF}">
-              <a14:hiddenLine xmlns:a14="http://schemas.microsoft.com/office/drawing/2010/main" xmlns="" w="9525">
+              <a14:hiddenLine xmlns="" xmlns:a14="http://schemas.microsoft.com/office/drawing/2010/main" w="9525">
                 <a:solidFill>
                   <a:srgbClr val="000000"/>
                 </a:solidFill>
@@ -4225,14 +4202,14 @@
           </a:ln>
           <a:extLst>
             <a:ext uri="{909E8E84-426E-40dd-AFC4-6F175D3DCCD1}">
-              <a14:hiddenFill xmlns:a14="http://schemas.microsoft.com/office/drawing/2010/main" xmlns="">
+              <a14:hiddenFill xmlns="" xmlns:a14="http://schemas.microsoft.com/office/drawing/2010/main">
                 <a:solidFill>
                   <a:srgbClr val="FFFFFF"/>
                 </a:solidFill>
               </a14:hiddenFill>
             </a:ext>
             <a:ext uri="{91240B29-F687-4f45-9708-019B960494DF}">
-              <a14:hiddenLine xmlns:a14="http://schemas.microsoft.com/office/drawing/2010/main" xmlns="" w="9525">
+              <a14:hiddenLine xmlns="" xmlns:a14="http://schemas.microsoft.com/office/drawing/2010/main" w="9525">
                 <a:solidFill>
                   <a:srgbClr val="000000"/>
                 </a:solidFill>
@@ -4436,7 +4413,7 @@
           <a:p>
             <a:fld id="{780B1F34-A253-E943-86BC-3D9F00975CD5}" type="datetimeFigureOut">
               <a:rPr lang="en-US" smtClean="0"/>
-              <a:t>3/29/2016</a:t>
+              <a:t>4/19/2016</a:t>
             </a:fld>
             <a:endParaRPr lang="en-US"/>
           </a:p>
@@ -4619,7 +4596,7 @@
           <a:p>
             <a:fld id="{780B1F34-A253-E943-86BC-3D9F00975CD5}" type="datetimeFigureOut">
               <a:rPr lang="en-US" smtClean="0"/>
-              <a:t>3/29/2016</a:t>
+              <a:t>4/19/2016</a:t>
             </a:fld>
             <a:endParaRPr lang="en-US"/>
           </a:p>
@@ -4879,7 +4856,7 @@
           <a:p>
             <a:fld id="{780B1F34-A253-E943-86BC-3D9F00975CD5}" type="datetimeFigureOut">
               <a:rPr lang="en-US" smtClean="0"/>
-              <a:t>3/29/2016</a:t>
+              <a:t>4/19/2016</a:t>
             </a:fld>
             <a:endParaRPr lang="en-US"/>
           </a:p>
@@ -5187,7 +5164,7 @@
           <a:p>
             <a:fld id="{780B1F34-A253-E943-86BC-3D9F00975CD5}" type="datetimeFigureOut">
               <a:rPr lang="en-US" smtClean="0"/>
-              <a:t>3/29/2016</a:t>
+              <a:t>4/19/2016</a:t>
             </a:fld>
             <a:endParaRPr lang="en-US"/>
           </a:p>
@@ -5627,7 +5604,7 @@
           <a:p>
             <a:fld id="{780B1F34-A253-E943-86BC-3D9F00975CD5}" type="datetimeFigureOut">
               <a:rPr lang="en-US" smtClean="0"/>
-              <a:t>3/29/2016</a:t>
+              <a:t>4/19/2016</a:t>
             </a:fld>
             <a:endParaRPr lang="en-US"/>
           </a:p>
@@ -5771,7 +5748,7 @@
           <a:p>
             <a:fld id="{780B1F34-A253-E943-86BC-3D9F00975CD5}" type="datetimeFigureOut">
               <a:rPr lang="en-US" smtClean="0"/>
-              <a:t>3/29/2016</a:t>
+              <a:t>4/19/2016</a:t>
             </a:fld>
             <a:endParaRPr lang="en-US"/>
           </a:p>
@@ -5878,7 +5855,7 @@
           <a:p>
             <a:fld id="{780B1F34-A253-E943-86BC-3D9F00975CD5}" type="datetimeFigureOut">
               <a:rPr lang="en-US" smtClean="0"/>
-              <a:t>3/29/2016</a:t>
+              <a:t>4/19/2016</a:t>
             </a:fld>
             <a:endParaRPr lang="en-US"/>
           </a:p>
@@ -6169,7 +6146,7 @@
           <a:p>
             <a:fld id="{780B1F34-A253-E943-86BC-3D9F00975CD5}" type="datetimeFigureOut">
               <a:rPr lang="en-US" smtClean="0"/>
-              <a:t>3/29/2016</a:t>
+              <a:t>4/19/2016</a:t>
             </a:fld>
             <a:endParaRPr lang="en-US"/>
           </a:p>
@@ -6443,7 +6420,7 @@
           <a:p>
             <a:fld id="{780B1F34-A253-E943-86BC-3D9F00975CD5}" type="datetimeFigureOut">
               <a:rPr lang="en-US" smtClean="0"/>
-              <a:t>3/29/2016</a:t>
+              <a:t>4/19/2016</a:t>
             </a:fld>
             <a:endParaRPr lang="en-US"/>
           </a:p>
@@ -6561,14 +6538,14 @@
           </a:ln>
           <a:extLst>
             <a:ext uri="{909E8E84-426E-40dd-AFC4-6F175D3DCCD1}">
-              <a14:hiddenFill xmlns:a14="http://schemas.microsoft.com/office/drawing/2010/main" xmlns="">
+              <a14:hiddenFill xmlns="" xmlns:a14="http://schemas.microsoft.com/office/drawing/2010/main">
                 <a:solidFill>
                   <a:srgbClr val="FFFFFF"/>
                 </a:solidFill>
               </a14:hiddenFill>
             </a:ext>
             <a:ext uri="{91240B29-F687-4f45-9708-019B960494DF}">
-              <a14:hiddenLine xmlns:a14="http://schemas.microsoft.com/office/drawing/2010/main" xmlns="" w="9525">
+              <a14:hiddenLine xmlns="" xmlns:a14="http://schemas.microsoft.com/office/drawing/2010/main" w="9525">
                 <a:solidFill>
                   <a:srgbClr val="000000"/>
                 </a:solidFill>
@@ -6578,7 +6555,7 @@
               </a14:hiddenLine>
             </a:ext>
             <a:ext uri="{FAA26D3D-D897-4be2-8F04-BA451C77F1D7}">
-              <ma14:placeholderFlag xmlns:ma14="http://schemas.microsoft.com/office/mac/drawingml/2011/main" xmlns="" val="1"/>
+              <ma14:placeholderFlag xmlns="" xmlns:ma14="http://schemas.microsoft.com/office/mac/drawingml/2011/main" val="1"/>
             </a:ext>
           </a:extLst>
         </p:spPr>
@@ -6665,7 +6642,7 @@
           <a:p>
             <a:fld id="{780B1F34-A253-E943-86BC-3D9F00975CD5}" type="datetimeFigureOut">
               <a:rPr lang="en-US" smtClean="0"/>
-              <a:t>3/29/2016</a:t>
+              <a:t>4/19/2016</a:t>
             </a:fld>
             <a:endParaRPr lang="en-US"/>
           </a:p>
@@ -6786,14 +6763,14 @@
           </a:ln>
           <a:extLst>
             <a:ext uri="{909E8E84-426E-40dd-AFC4-6F175D3DCCD1}">
-              <a14:hiddenFill xmlns:a14="http://schemas.microsoft.com/office/drawing/2010/main" xmlns="">
+              <a14:hiddenFill xmlns="" xmlns:a14="http://schemas.microsoft.com/office/drawing/2010/main">
                 <a:solidFill>
                   <a:srgbClr val="FFFFFF"/>
                 </a:solidFill>
               </a14:hiddenFill>
             </a:ext>
             <a:ext uri="{91240B29-F687-4f45-9708-019B960494DF}">
-              <a14:hiddenLine xmlns:a14="http://schemas.microsoft.com/office/drawing/2010/main" xmlns="" w="9525">
+              <a14:hiddenLine xmlns="" xmlns:a14="http://schemas.microsoft.com/office/drawing/2010/main" w="9525">
                 <a:solidFill>
                   <a:srgbClr val="000000"/>
                 </a:solidFill>
@@ -6803,7 +6780,7 @@
               </a14:hiddenLine>
             </a:ext>
             <a:ext uri="{FAA26D3D-D897-4be2-8F04-BA451C77F1D7}">
-              <ma14:placeholderFlag xmlns:ma14="http://schemas.microsoft.com/office/mac/drawingml/2011/main" xmlns="" val="1"/>
+              <ma14:placeholderFlag xmlns="" xmlns:ma14="http://schemas.microsoft.com/office/mac/drawingml/2011/main" val="1"/>
             </a:ext>
           </a:extLst>
         </p:spPr>
@@ -6858,14 +6835,14 @@
           </a:ln>
           <a:extLst>
             <a:ext uri="{909E8E84-426E-40dd-AFC4-6F175D3DCCD1}">
-              <a14:hiddenFill xmlns:a14="http://schemas.microsoft.com/office/drawing/2010/main" xmlns="">
+              <a14:hiddenFill xmlns="" xmlns:a14="http://schemas.microsoft.com/office/drawing/2010/main">
                 <a:solidFill>
                   <a:srgbClr val="FFFFFF"/>
                 </a:solidFill>
               </a14:hiddenFill>
             </a:ext>
             <a:ext uri="{91240B29-F687-4f45-9708-019B960494DF}">
-              <a14:hiddenLine xmlns:a14="http://schemas.microsoft.com/office/drawing/2010/main" xmlns="" w="9525">
+              <a14:hiddenLine xmlns="" xmlns:a14="http://schemas.microsoft.com/office/drawing/2010/main" w="9525">
                 <a:solidFill>
                   <a:srgbClr val="000000"/>
                 </a:solidFill>
@@ -7534,35 +7511,79 @@
           <a:bodyPr/>
           <a:lstStyle/>
           <a:p>
+            <a:pPr lvl="0"/>
+            <a:r>
+              <a:rPr lang="en-US" dirty="0" smtClean="0"/>
+              <a:t>U</a:t>
+            </a:r>
+            <a:r>
+              <a:rPr lang="en-US" altLang="zh-CN" dirty="0" smtClean="0"/>
+              <a:t>ser </a:t>
+            </a:r>
             <a:r>
               <a:rPr lang="en-US" altLang="zh-CN" dirty="0"/>
-              <a:t>Defines similar users and r</a:t>
-            </a:r>
-            <a:r>
-              <a:rPr lang="en-US" dirty="0"/>
-              <a:t>ecommends </a:t>
+              <a:t>recommendation for specific user id </a:t>
+            </a:r>
+            <a:r>
+              <a:rPr lang="en-US" altLang="zh-CN" dirty="0" smtClean="0"/>
+              <a:t>based on </a:t>
+            </a:r>
+            <a:r>
+              <a:rPr lang="en-US" altLang="zh-CN" dirty="0" err="1" smtClean="0"/>
+              <a:t>ti</a:t>
+            </a:r>
+            <a:r>
+              <a:rPr lang="en-US" altLang="zh-CN" dirty="0" err="1"/>
+              <a:t>-</a:t>
+            </a:r>
+            <a:r>
+              <a:rPr lang="en-US" altLang="zh-CN" dirty="0" err="1" smtClean="0"/>
+              <a:t>idf</a:t>
+            </a:r>
+            <a:r>
+              <a:rPr lang="en-US" altLang="zh-CN" dirty="0" smtClean="0"/>
+              <a:t> analysis</a:t>
+            </a:r>
+            <a:endParaRPr lang="en-US" altLang="zh-CN" dirty="0"/>
+          </a:p>
+          <a:p>
+            <a:pPr lvl="0"/>
+            <a:r>
+              <a:rPr lang="en-US" altLang="zh-CN" dirty="0" smtClean="0"/>
+              <a:t>search </a:t>
             </a:r>
             <a:r>
               <a:rPr lang="en-US" altLang="zh-CN" dirty="0"/>
-              <a:t>associative public pages</a:t>
-            </a:r>
-            <a:r>
-              <a:rPr lang="en-US" dirty="0"/>
-              <a:t>.</a:t>
-            </a:r>
-            <a:endParaRPr lang="en-US" altLang="zh-CN" dirty="0"/>
-          </a:p>
-          <a:p>
-            <a:r>
-              <a:rPr lang="en-US" dirty="0"/>
-              <a:t>Provides potential target customers to manufacturers</a:t>
-            </a:r>
-          </a:p>
-          <a:p>
-            <a:r>
-              <a:rPr lang="en-US" dirty="0"/>
-              <a:t>Makes directional delivery of network advertisement.</a:t>
-            </a:r>
+              <a:t>associative users given a key </a:t>
+            </a:r>
+            <a:r>
+              <a:rPr lang="en-US" altLang="zh-CN" dirty="0" smtClean="0"/>
+              <a:t>word</a:t>
+            </a:r>
+            <a:r>
+              <a:rPr lang="en-US" altLang="zh-CN" dirty="0"/>
+              <a:t> </a:t>
+            </a:r>
+            <a:r>
+              <a:rPr lang="en-US" altLang="zh-CN" dirty="0" smtClean="0"/>
+              <a:t>based on </a:t>
+            </a:r>
+            <a:r>
+              <a:rPr lang="en-US" altLang="zh-CN" dirty="0" err="1" smtClean="0"/>
+              <a:t>ti-idf</a:t>
+            </a:r>
+            <a:r>
+              <a:rPr lang="en-US" altLang="zh-CN" dirty="0" smtClean="0"/>
+              <a:t> analysis</a:t>
+            </a:r>
+          </a:p>
+          <a:p>
+            <a:pPr lvl="0"/>
+            <a:r>
+              <a:rPr lang="en-US" dirty="0" smtClean="0"/>
+              <a:t>Use graph analysis to exclude users that already associated with then given user and present final result</a:t>
+            </a:r>
+            <a:endParaRPr lang="en-US" dirty="0"/>
           </a:p>
           <a:p>
             <a:endParaRPr lang="en-US" dirty="0"/>
@@ -7881,7 +7902,7 @@
             <p:ph idx="1"/>
             <p:extLst>
               <p:ext uri="{D42A27DB-BD31-4B8C-83A1-F6EECF244321}">
-                <p14:modId xmlns:p14="http://schemas.microsoft.com/office/powerpoint/2010/main" val="923529629"/>
+                <p14:modId xmlns:p14="http://schemas.microsoft.com/office/powerpoint/2010/main" val="2676717472"/>
               </p:ext>
             </p:extLst>
           </p:nvPr>
@@ -7945,7 +7966,7 @@
         </p:blipFill>
         <p:spPr>
           <a:xfrm>
-            <a:off x="306711" y="1524000"/>
+            <a:off x="100584" y="1805781"/>
             <a:ext cx="8778240" cy="4114800"/>
           </a:xfrm>
           <a:prstGeom prst="rect">
@@ -8214,15 +8235,7 @@
             </a:r>
             <a:r>
               <a:rPr lang="en-US"/>
-              <a:t>3.29 </a:t>
-            </a:r>
-            <a:r>
-              <a:rPr lang="en-US"/>
-              <a:t>Fetch Data </a:t>
-            </a:r>
-            <a:r>
-              <a:rPr lang="en-US"/>
-              <a:t>from </a:t>
+              <a:t>3.29 Fetch Data from </a:t>
             </a:r>
             <a:r>
               <a:rPr lang="en-US" smtClean="0"/>
